--- a/Slide/Slide1.pptx
+++ b/Slide/Slide1.pptx
@@ -6,6 +6,9 @@
   </p:sldMasterIdLst>
   <p:sldIdLst>
     <p:sldId id="256" r:id="rId2"/>
+    <p:sldId id="257" r:id="rId3"/>
+    <p:sldId id="258" r:id="rId4"/>
+    <p:sldId id="259" r:id="rId5"/>
   </p:sldIdLst>
   <p:sldSz cx="12192000" cy="6858000"/>
   <p:notesSz cx="6858000" cy="9144000"/>
@@ -3323,10 +3326,10 @@
       </p:grpSpPr>
       <p:sp>
         <p:nvSpPr>
-          <p:cNvPr id="6" name="สี่เหลี่ยมผืนผ้า 5">
-            <a:extLst>
-              <a:ext uri="{FF2B5EF4-FFF2-40B4-BE49-F238E27FC236}">
-                <a16:creationId xmlns:a16="http://schemas.microsoft.com/office/drawing/2014/main" id="{793DBF05-BF78-91B9-7CF7-D15B6801F2E9}"/>
+          <p:cNvPr id="17" name="สี่เหลี่ยมผืนผ้า: มุมมน 16">
+            <a:extLst>
+              <a:ext uri="{FF2B5EF4-FFF2-40B4-BE49-F238E27FC236}">
+                <a16:creationId xmlns:a16="http://schemas.microsoft.com/office/drawing/2014/main" id="{9B55D8E0-0224-D487-0769-A78BD0C9C2FC}"/>
               </a:ext>
             </a:extLst>
           </p:cNvPr>
@@ -3335,8 +3338,62 @@
         </p:nvSpPr>
         <p:spPr>
           <a:xfrm>
-            <a:off x="6591300" y="1876425"/>
-            <a:ext cx="1524000" cy="2638425"/>
+            <a:off x="2228850" y="1419226"/>
+            <a:ext cx="5610225" cy="3143250"/>
+          </a:xfrm>
+          <a:prstGeom prst="roundRect">
+            <a:avLst>
+              <a:gd name="adj" fmla="val 2381"/>
+            </a:avLst>
+          </a:prstGeom>
+          <a:solidFill>
+            <a:schemeClr val="bg1"/>
+          </a:solidFill>
+          <a:ln w="3175">
+            <a:noFill/>
+          </a:ln>
+        </p:spPr>
+        <p:style>
+          <a:lnRef idx="2">
+            <a:schemeClr val="accent1">
+              <a:shade val="15000"/>
+            </a:schemeClr>
+          </a:lnRef>
+          <a:fillRef idx="1">
+            <a:schemeClr val="accent1"/>
+          </a:fillRef>
+          <a:effectRef idx="0">
+            <a:schemeClr val="accent1"/>
+          </a:effectRef>
+          <a:fontRef idx="minor">
+            <a:schemeClr val="lt1"/>
+          </a:fontRef>
+        </p:style>
+        <p:txBody>
+          <a:bodyPr rtlCol="0" anchor="ctr"/>
+          <a:lstStyle/>
+          <a:p>
+            <a:pPr algn="ctr"/>
+            <a:endParaRPr lang="th-TH"/>
+          </a:p>
+        </p:txBody>
+      </p:sp>
+      <p:sp>
+        <p:nvSpPr>
+          <p:cNvPr id="6" name="สี่เหลี่ยมผืนผ้า 5">
+            <a:extLst>
+              <a:ext uri="{FF2B5EF4-FFF2-40B4-BE49-F238E27FC236}">
+                <a16:creationId xmlns:a16="http://schemas.microsoft.com/office/drawing/2014/main" id="{793DBF05-BF78-91B9-7CF7-D15B6801F2E9}"/>
+              </a:ext>
+            </a:extLst>
+          </p:cNvPr>
+          <p:cNvSpPr/>
+          <p:nvPr/>
+        </p:nvSpPr>
+        <p:spPr>
+          <a:xfrm>
+            <a:off x="6063899" y="1807082"/>
+            <a:ext cx="1339755" cy="2238253"/>
           </a:xfrm>
           <a:prstGeom prst="rect">
             <a:avLst/>
@@ -3387,8 +3444,8 @@
         </p:nvSpPr>
         <p:spPr>
           <a:xfrm>
-            <a:off x="2667000" y="1876425"/>
-            <a:ext cx="1609725" cy="2638425"/>
+            <a:off x="2614030" y="1807082"/>
+            <a:ext cx="1415116" cy="2238253"/>
           </a:xfrm>
           <a:prstGeom prst="roundRect">
             <a:avLst>
@@ -3396,8 +3453,8 @@
             </a:avLst>
           </a:prstGeom>
           <a:solidFill>
-            <a:schemeClr val="accent2">
-              <a:lumMod val="50000"/>
+            <a:schemeClr val="accent4">
+              <a:lumMod val="75000"/>
             </a:schemeClr>
           </a:solidFill>
         </p:spPr>
@@ -3423,10 +3480,18 @@
           <a:p>
             <a:pPr algn="ctr"/>
             <a:r>
-              <a:rPr lang="en-US" dirty="0"/>
+              <a:rPr lang="en-US" dirty="0">
+                <a:solidFill>
+                  <a:schemeClr val="tx1"/>
+                </a:solidFill>
+              </a:rPr>
               <a:t>ESP32</a:t>
             </a:r>
-            <a:endParaRPr lang="th-TH" dirty="0"/>
+            <a:endParaRPr lang="th-TH" dirty="0">
+              <a:solidFill>
+                <a:schemeClr val="tx1"/>
+              </a:solidFill>
+            </a:endParaRPr>
           </a:p>
         </p:txBody>
       </p:sp>
@@ -3444,8 +3509,8 @@
         </p:nvSpPr>
         <p:spPr>
           <a:xfrm>
-            <a:off x="7188993" y="2114550"/>
-            <a:ext cx="393700" cy="393700"/>
+            <a:off x="6589334" y="2009090"/>
+            <a:ext cx="346103" cy="333987"/>
           </a:xfrm>
           <a:prstGeom prst="ellipse">
             <a:avLst/>
@@ -3493,8 +3558,8 @@
         </p:nvSpPr>
         <p:spPr>
           <a:xfrm>
-            <a:off x="6591300" y="4514850"/>
-            <a:ext cx="1524000" cy="523220"/>
+            <a:off x="6063899" y="4045335"/>
+            <a:ext cx="1339755" cy="400110"/>
           </a:xfrm>
           <a:prstGeom prst="rect">
             <a:avLst/>
@@ -3509,10 +3574,18 @@
           <a:p>
             <a:pPr algn="ctr"/>
             <a:r>
-              <a:rPr lang="en-US" dirty="0"/>
+              <a:rPr lang="en-US" sz="2000" dirty="0">
+                <a:solidFill>
+                  <a:srgbClr val="C00000"/>
+                </a:solidFill>
+              </a:rPr>
               <a:t>LEDs</a:t>
             </a:r>
-            <a:endParaRPr lang="th-TH" dirty="0"/>
+            <a:endParaRPr lang="th-TH" sz="2000" dirty="0">
+              <a:solidFill>
+                <a:srgbClr val="C00000"/>
+              </a:solidFill>
+            </a:endParaRPr>
           </a:p>
         </p:txBody>
       </p:sp>
@@ -3532,8 +3605,8 @@
         </p:nvCxnSpPr>
         <p:spPr>
           <a:xfrm>
-            <a:off x="4276725" y="2254250"/>
-            <a:ext cx="2314575" cy="0"/>
+            <a:off x="4029146" y="2127602"/>
+            <a:ext cx="2034753" cy="0"/>
           </a:xfrm>
           <a:prstGeom prst="line">
             <a:avLst/>
@@ -3569,8 +3642,8 @@
         </p:nvSpPr>
         <p:spPr>
           <a:xfrm>
-            <a:off x="4262438" y="2246640"/>
-            <a:ext cx="885825" cy="338554"/>
+            <a:off x="4016586" y="2121146"/>
+            <a:ext cx="778733" cy="307777"/>
           </a:xfrm>
           <a:prstGeom prst="rect">
             <a:avLst/>
@@ -3584,10 +3657,18 @@
           <a:lstStyle/>
           <a:p>
             <a:r>
-              <a:rPr lang="en-US" sz="1600" dirty="0"/>
+              <a:rPr lang="en-US" sz="1400" dirty="0">
+                <a:solidFill>
+                  <a:srgbClr val="C00000"/>
+                </a:solidFill>
+              </a:rPr>
               <a:t>GPIO23</a:t>
             </a:r>
-            <a:endParaRPr lang="th-TH" sz="1600" dirty="0"/>
+            <a:endParaRPr lang="th-TH" sz="1400" dirty="0">
+              <a:solidFill>
+                <a:srgbClr val="C00000"/>
+              </a:solidFill>
+            </a:endParaRPr>
           </a:p>
         </p:txBody>
       </p:sp>
@@ -3605,8 +3686,8 @@
         </p:nvSpPr>
         <p:spPr>
           <a:xfrm>
-            <a:off x="5910263" y="2246640"/>
-            <a:ext cx="681037" cy="338554"/>
+            <a:off x="5465197" y="2121146"/>
+            <a:ext cx="598703" cy="307777"/>
           </a:xfrm>
           <a:prstGeom prst="rect">
             <a:avLst/>
@@ -3621,10 +3702,18 @@
           <a:p>
             <a:pPr algn="r"/>
             <a:r>
-              <a:rPr lang="en-US" sz="1600" dirty="0"/>
+              <a:rPr lang="en-US" sz="1400" dirty="0">
+                <a:solidFill>
+                  <a:srgbClr val="C00000"/>
+                </a:solidFill>
+              </a:rPr>
               <a:t>LED1</a:t>
             </a:r>
-            <a:endParaRPr lang="th-TH" sz="1600" dirty="0"/>
+            <a:endParaRPr lang="th-TH" sz="1400" dirty="0">
+              <a:solidFill>
+                <a:srgbClr val="C00000"/>
+              </a:solidFill>
+            </a:endParaRPr>
           </a:p>
         </p:txBody>
       </p:sp>
@@ -3642,8 +3731,8 @@
         </p:nvSpPr>
         <p:spPr>
           <a:xfrm>
-            <a:off x="4171951" y="2170906"/>
-            <a:ext cx="166687" cy="166687"/>
+            <a:off x="3937039" y="2056899"/>
+            <a:ext cx="146535" cy="141405"/>
           </a:xfrm>
           <a:prstGeom prst="ellipse">
             <a:avLst/>
@@ -3691,8 +3780,8 @@
         </p:nvSpPr>
         <p:spPr>
           <a:xfrm>
-            <a:off x="6507956" y="2170906"/>
-            <a:ext cx="166687" cy="166687"/>
+            <a:off x="5990631" y="2056899"/>
+            <a:ext cx="146535" cy="141405"/>
           </a:xfrm>
           <a:prstGeom prst="ellipse">
             <a:avLst/>
@@ -3740,8 +3829,8 @@
         </p:nvSpPr>
         <p:spPr>
           <a:xfrm>
-            <a:off x="7462838" y="2168316"/>
-            <a:ext cx="681037" cy="338554"/>
+            <a:off x="6830072" y="2054702"/>
+            <a:ext cx="598703" cy="307777"/>
           </a:xfrm>
           <a:prstGeom prst="rect">
             <a:avLst/>
@@ -3756,10 +3845,18 @@
           <a:p>
             <a:pPr algn="r"/>
             <a:r>
-              <a:rPr lang="en-US" sz="1600" dirty="0"/>
+              <a:rPr lang="en-US" sz="1400" dirty="0">
+                <a:solidFill>
+                  <a:srgbClr val="C00000"/>
+                </a:solidFill>
+              </a:rPr>
               <a:t>LED1</a:t>
             </a:r>
-            <a:endParaRPr lang="th-TH" sz="1600" dirty="0"/>
+            <a:endParaRPr lang="th-TH" sz="1400" dirty="0">
+              <a:solidFill>
+                <a:srgbClr val="C00000"/>
+              </a:solidFill>
+            </a:endParaRPr>
           </a:p>
         </p:txBody>
       </p:sp>
@@ -3767,6 +3864,1320 @@
     <p:extLst>
       <p:ext uri="{BB962C8B-B14F-4D97-AF65-F5344CB8AC3E}">
         <p14:creationId xmlns:p14="http://schemas.microsoft.com/office/powerpoint/2010/main" val="1655151969"/>
+      </p:ext>
+    </p:extLst>
+  </p:cSld>
+  <p:clrMapOvr>
+    <a:masterClrMapping/>
+  </p:clrMapOvr>
+</p:sld>
+</file>
+
+<file path=ppt/slides/slide2.xml><?xml version="1.0" encoding="utf-8"?>
+<p:sld xmlns:a="http://schemas.openxmlformats.org/drawingml/2006/main" xmlns:r="http://schemas.openxmlformats.org/officeDocument/2006/relationships" xmlns:p="http://schemas.openxmlformats.org/presentationml/2006/main">
+  <p:cSld>
+    <p:spTree>
+      <p:nvGrpSpPr>
+        <p:cNvPr id="1" name=""/>
+        <p:cNvGrpSpPr/>
+        <p:nvPr/>
+      </p:nvGrpSpPr>
+      <p:grpSpPr>
+        <a:xfrm>
+          <a:off x="0" y="0"/>
+          <a:ext cx="0" cy="0"/>
+          <a:chOff x="0" y="0"/>
+          <a:chExt cx="0" cy="0"/>
+        </a:xfrm>
+      </p:grpSpPr>
+      <p:grpSp>
+        <p:nvGrpSpPr>
+          <p:cNvPr id="74" name="กลุ่ม 73">
+            <a:extLst>
+              <a:ext uri="{FF2B5EF4-FFF2-40B4-BE49-F238E27FC236}">
+                <a16:creationId xmlns:a16="http://schemas.microsoft.com/office/drawing/2014/main" id="{8400AF0D-0E00-0951-6AC7-2621F2192BA1}"/>
+              </a:ext>
+            </a:extLst>
+          </p:cNvPr>
+          <p:cNvGrpSpPr/>
+          <p:nvPr/>
+        </p:nvGrpSpPr>
+        <p:grpSpPr>
+          <a:xfrm>
+            <a:off x="771525" y="790575"/>
+            <a:ext cx="10344150" cy="5743575"/>
+            <a:chOff x="771525" y="790575"/>
+            <a:chExt cx="10344150" cy="5743575"/>
+          </a:xfrm>
+        </p:grpSpPr>
+        <p:sp>
+          <p:nvSpPr>
+            <p:cNvPr id="73" name="สี่เหลี่ยมผืนผ้า: มุมมน 72">
+              <a:extLst>
+                <a:ext uri="{FF2B5EF4-FFF2-40B4-BE49-F238E27FC236}">
+                  <a16:creationId xmlns:a16="http://schemas.microsoft.com/office/drawing/2014/main" id="{13BDB3CA-3CA7-BFE4-A73A-1332F289D19B}"/>
+                </a:ext>
+              </a:extLst>
+            </p:cNvPr>
+            <p:cNvSpPr/>
+            <p:nvPr/>
+          </p:nvSpPr>
+          <p:spPr>
+            <a:xfrm>
+              <a:off x="771525" y="790575"/>
+              <a:ext cx="10344150" cy="5743575"/>
+            </a:xfrm>
+            <a:prstGeom prst="roundRect">
+              <a:avLst>
+                <a:gd name="adj" fmla="val 3400"/>
+              </a:avLst>
+            </a:prstGeom>
+            <a:solidFill>
+              <a:schemeClr val="bg1"/>
+            </a:solidFill>
+            <a:ln>
+              <a:noFill/>
+            </a:ln>
+          </p:spPr>
+          <p:style>
+            <a:lnRef idx="2">
+              <a:schemeClr val="accent1">
+                <a:shade val="15000"/>
+              </a:schemeClr>
+            </a:lnRef>
+            <a:fillRef idx="1">
+              <a:schemeClr val="accent1"/>
+            </a:fillRef>
+            <a:effectRef idx="0">
+              <a:schemeClr val="accent1"/>
+            </a:effectRef>
+            <a:fontRef idx="minor">
+              <a:schemeClr val="lt1"/>
+            </a:fontRef>
+          </p:style>
+          <p:txBody>
+            <a:bodyPr rtlCol="0" anchor="ctr"/>
+            <a:lstStyle/>
+            <a:p>
+              <a:pPr algn="ctr"/>
+              <a:endParaRPr lang="th-TH"/>
+            </a:p>
+          </p:txBody>
+        </p:sp>
+        <p:pic>
+          <p:nvPicPr>
+            <p:cNvPr id="23" name="รูปภาพ 22" descr="รูปภาพประกอบด้วย ข้อความ, ภาพหน้าจอ, แสดง, ซอฟต์แวร์&#10;&#10;คำอธิบายที่สร้างโดยอัตโนมัติ">
+              <a:extLst>
+                <a:ext uri="{FF2B5EF4-FFF2-40B4-BE49-F238E27FC236}">
+                  <a16:creationId xmlns:a16="http://schemas.microsoft.com/office/drawing/2014/main" id="{4E6059C5-7DAF-162C-C445-E1C8E8CDED90}"/>
+                </a:ext>
+              </a:extLst>
+            </p:cNvPr>
+            <p:cNvPicPr>
+              <a:picLocks noChangeAspect="1"/>
+            </p:cNvPicPr>
+            <p:nvPr/>
+          </p:nvPicPr>
+          <p:blipFill>
+            <a:blip r:embed="rId2">
+              <a:extLst>
+                <a:ext uri="{28A0092B-C50C-407E-A947-70E740481C1C}">
+                  <a14:useLocalDpi xmlns:a14="http://schemas.microsoft.com/office/drawing/2010/main" val="0"/>
+                </a:ext>
+              </a:extLst>
+            </a:blip>
+            <a:stretch>
+              <a:fillRect/>
+            </a:stretch>
+          </p:blipFill>
+          <p:spPr>
+            <a:xfrm>
+              <a:off x="1004538" y="1337933"/>
+              <a:ext cx="5001323" cy="4715533"/>
+            </a:xfrm>
+            <a:prstGeom prst="rect">
+              <a:avLst/>
+            </a:prstGeom>
+            <a:ln w="12700">
+              <a:solidFill>
+                <a:srgbClr val="00B050"/>
+              </a:solidFill>
+            </a:ln>
+          </p:spPr>
+        </p:pic>
+        <p:sp>
+          <p:nvSpPr>
+            <p:cNvPr id="26" name="สี่เหลี่ยมผืนผ้า 25">
+              <a:extLst>
+                <a:ext uri="{FF2B5EF4-FFF2-40B4-BE49-F238E27FC236}">
+                  <a16:creationId xmlns:a16="http://schemas.microsoft.com/office/drawing/2014/main" id="{310135F4-EFAA-50F5-D9A0-E0218B59E33D}"/>
+                </a:ext>
+              </a:extLst>
+            </p:cNvPr>
+            <p:cNvSpPr/>
+            <p:nvPr/>
+          </p:nvSpPr>
+          <p:spPr>
+            <a:xfrm>
+              <a:off x="5010150" y="2390775"/>
+              <a:ext cx="866775" cy="219075"/>
+            </a:xfrm>
+            <a:prstGeom prst="rect">
+              <a:avLst/>
+            </a:prstGeom>
+            <a:noFill/>
+            <a:ln w="28575">
+              <a:solidFill>
+                <a:srgbClr val="0070C0"/>
+              </a:solidFill>
+            </a:ln>
+          </p:spPr>
+          <p:style>
+            <a:lnRef idx="2">
+              <a:schemeClr val="accent1">
+                <a:shade val="15000"/>
+              </a:schemeClr>
+            </a:lnRef>
+            <a:fillRef idx="1">
+              <a:schemeClr val="accent1"/>
+            </a:fillRef>
+            <a:effectRef idx="0">
+              <a:schemeClr val="accent1"/>
+            </a:effectRef>
+            <a:fontRef idx="minor">
+              <a:schemeClr val="lt1"/>
+            </a:fontRef>
+          </p:style>
+          <p:txBody>
+            <a:bodyPr rtlCol="0" anchor="ctr"/>
+            <a:lstStyle/>
+            <a:p>
+              <a:pPr algn="ctr"/>
+              <a:endParaRPr lang="th-TH"/>
+            </a:p>
+          </p:txBody>
+        </p:sp>
+        <p:pic>
+          <p:nvPicPr>
+            <p:cNvPr id="28" name="รูปภาพ 27" descr="รูปภาพประกอบด้วย ข้อความ, ภาพหน้าจอ, แสดง, ซอฟต์แวร์&#10;&#10;คำอธิบายที่สร้างโดยอัตโนมัติ">
+              <a:extLst>
+                <a:ext uri="{FF2B5EF4-FFF2-40B4-BE49-F238E27FC236}">
+                  <a16:creationId xmlns:a16="http://schemas.microsoft.com/office/drawing/2014/main" id="{BF064703-A588-05DE-6462-82E4378D3E99}"/>
+                </a:ext>
+              </a:extLst>
+            </p:cNvPr>
+            <p:cNvPicPr>
+              <a:picLocks noChangeAspect="1"/>
+            </p:cNvPicPr>
+            <p:nvPr/>
+          </p:nvPicPr>
+          <p:blipFill>
+            <a:blip r:embed="rId3">
+              <a:extLst>
+                <a:ext uri="{28A0092B-C50C-407E-A947-70E740481C1C}">
+                  <a14:useLocalDpi xmlns:a14="http://schemas.microsoft.com/office/drawing/2010/main" val="0"/>
+                </a:ext>
+              </a:extLst>
+            </a:blip>
+            <a:stretch>
+              <a:fillRect/>
+            </a:stretch>
+          </p:blipFill>
+          <p:spPr>
+            <a:xfrm>
+              <a:off x="7024415" y="1095073"/>
+              <a:ext cx="3896269" cy="4324954"/>
+            </a:xfrm>
+            <a:prstGeom prst="rect">
+              <a:avLst/>
+            </a:prstGeom>
+            <a:ln w="12700">
+              <a:solidFill>
+                <a:srgbClr val="00B050"/>
+              </a:solidFill>
+            </a:ln>
+          </p:spPr>
+        </p:pic>
+        <p:sp>
+          <p:nvSpPr>
+            <p:cNvPr id="39" name="สี่เหลี่ยมผืนผ้า 38">
+              <a:extLst>
+                <a:ext uri="{FF2B5EF4-FFF2-40B4-BE49-F238E27FC236}">
+                  <a16:creationId xmlns:a16="http://schemas.microsoft.com/office/drawing/2014/main" id="{7078AA08-A24B-AB81-10C6-107141DA74BD}"/>
+                </a:ext>
+              </a:extLst>
+            </p:cNvPr>
+            <p:cNvSpPr/>
+            <p:nvPr/>
+          </p:nvSpPr>
+          <p:spPr>
+            <a:xfrm>
+              <a:off x="7457802" y="2390775"/>
+              <a:ext cx="866775" cy="295275"/>
+            </a:xfrm>
+            <a:prstGeom prst="rect">
+              <a:avLst/>
+            </a:prstGeom>
+            <a:noFill/>
+            <a:ln w="28575">
+              <a:solidFill>
+                <a:srgbClr val="0070C0"/>
+              </a:solidFill>
+            </a:ln>
+          </p:spPr>
+          <p:style>
+            <a:lnRef idx="2">
+              <a:schemeClr val="accent1">
+                <a:shade val="15000"/>
+              </a:schemeClr>
+            </a:lnRef>
+            <a:fillRef idx="1">
+              <a:schemeClr val="accent1"/>
+            </a:fillRef>
+            <a:effectRef idx="0">
+              <a:schemeClr val="accent1"/>
+            </a:effectRef>
+            <a:fontRef idx="minor">
+              <a:schemeClr val="lt1"/>
+            </a:fontRef>
+          </p:style>
+          <p:txBody>
+            <a:bodyPr rtlCol="0" anchor="ctr"/>
+            <a:lstStyle/>
+            <a:p>
+              <a:pPr algn="ctr"/>
+              <a:endParaRPr lang="th-TH"/>
+            </a:p>
+          </p:txBody>
+        </p:sp>
+        <p:sp>
+          <p:nvSpPr>
+            <p:cNvPr id="40" name="สี่เหลี่ยมผืนผ้า: มุมมน 39">
+              <a:extLst>
+                <a:ext uri="{FF2B5EF4-FFF2-40B4-BE49-F238E27FC236}">
+                  <a16:creationId xmlns:a16="http://schemas.microsoft.com/office/drawing/2014/main" id="{BDBB74EF-A589-855A-F32D-BF7D518ABF5E}"/>
+                </a:ext>
+              </a:extLst>
+            </p:cNvPr>
+            <p:cNvSpPr/>
+            <p:nvPr/>
+          </p:nvSpPr>
+          <p:spPr>
+            <a:xfrm>
+              <a:off x="5875954" y="1584262"/>
+              <a:ext cx="619125" cy="381000"/>
+            </a:xfrm>
+            <a:prstGeom prst="roundRect">
+              <a:avLst/>
+            </a:prstGeom>
+            <a:solidFill>
+              <a:srgbClr val="FFFF00"/>
+            </a:solidFill>
+            <a:ln>
+              <a:solidFill>
+                <a:srgbClr val="FF0000"/>
+              </a:solidFill>
+            </a:ln>
+          </p:spPr>
+          <p:style>
+            <a:lnRef idx="2">
+              <a:schemeClr val="accent1">
+                <a:shade val="15000"/>
+              </a:schemeClr>
+            </a:lnRef>
+            <a:fillRef idx="1">
+              <a:schemeClr val="accent1"/>
+            </a:fillRef>
+            <a:effectRef idx="0">
+              <a:schemeClr val="accent1"/>
+            </a:effectRef>
+            <a:fontRef idx="minor">
+              <a:schemeClr val="lt1"/>
+            </a:fontRef>
+          </p:style>
+          <p:txBody>
+            <a:bodyPr rtlCol="0" anchor="ctr"/>
+            <a:lstStyle/>
+            <a:p>
+              <a:pPr algn="ctr"/>
+              <a:r>
+                <a:rPr lang="th-TH" b="1" dirty="0">
+                  <a:solidFill>
+                    <a:srgbClr val="FF0000"/>
+                  </a:solidFill>
+                </a:rPr>
+                <a:t>1</a:t>
+              </a:r>
+            </a:p>
+          </p:txBody>
+        </p:sp>
+        <p:sp>
+          <p:nvSpPr>
+            <p:cNvPr id="41" name="สี่เหลี่ยมผืนผ้า: มุมมน 40">
+              <a:extLst>
+                <a:ext uri="{FF2B5EF4-FFF2-40B4-BE49-F238E27FC236}">
+                  <a16:creationId xmlns:a16="http://schemas.microsoft.com/office/drawing/2014/main" id="{C167B84E-CE4A-C9BF-D8C4-EADF9DD518E7}"/>
+                </a:ext>
+              </a:extLst>
+            </p:cNvPr>
+            <p:cNvSpPr/>
+            <p:nvPr/>
+          </p:nvSpPr>
+          <p:spPr>
+            <a:xfrm>
+              <a:off x="8699054" y="2157412"/>
+              <a:ext cx="619125" cy="381000"/>
+            </a:xfrm>
+            <a:prstGeom prst="roundRect">
+              <a:avLst/>
+            </a:prstGeom>
+            <a:solidFill>
+              <a:srgbClr val="FFFF00"/>
+            </a:solidFill>
+            <a:ln>
+              <a:solidFill>
+                <a:srgbClr val="FF0000"/>
+              </a:solidFill>
+            </a:ln>
+          </p:spPr>
+          <p:style>
+            <a:lnRef idx="2">
+              <a:schemeClr val="accent1">
+                <a:shade val="15000"/>
+              </a:schemeClr>
+            </a:lnRef>
+            <a:fillRef idx="1">
+              <a:schemeClr val="accent1"/>
+            </a:fillRef>
+            <a:effectRef idx="0">
+              <a:schemeClr val="accent1"/>
+            </a:effectRef>
+            <a:fontRef idx="minor">
+              <a:schemeClr val="lt1"/>
+            </a:fontRef>
+          </p:style>
+          <p:txBody>
+            <a:bodyPr rtlCol="0" anchor="ctr"/>
+            <a:lstStyle/>
+            <a:p>
+              <a:pPr algn="ctr"/>
+              <a:r>
+                <a:rPr lang="th-TH" b="1" dirty="0">
+                  <a:solidFill>
+                    <a:srgbClr val="FF0000"/>
+                  </a:solidFill>
+                </a:rPr>
+                <a:t>2</a:t>
+              </a:r>
+            </a:p>
+          </p:txBody>
+        </p:sp>
+        <p:sp>
+          <p:nvSpPr>
+            <p:cNvPr id="42" name="สี่เหลี่ยมผืนผ้า: มุมมน 41">
+              <a:extLst>
+                <a:ext uri="{FF2B5EF4-FFF2-40B4-BE49-F238E27FC236}">
+                  <a16:creationId xmlns:a16="http://schemas.microsoft.com/office/drawing/2014/main" id="{2C3DC83D-6E54-AD45-4211-DF103C37B245}"/>
+                </a:ext>
+              </a:extLst>
+            </p:cNvPr>
+            <p:cNvSpPr/>
+            <p:nvPr/>
+          </p:nvSpPr>
+          <p:spPr>
+            <a:xfrm>
+              <a:off x="9220199" y="4305301"/>
+              <a:ext cx="619125" cy="381000"/>
+            </a:xfrm>
+            <a:prstGeom prst="roundRect">
+              <a:avLst/>
+            </a:prstGeom>
+            <a:solidFill>
+              <a:srgbClr val="FFFF00"/>
+            </a:solidFill>
+            <a:ln>
+              <a:solidFill>
+                <a:srgbClr val="FF0000"/>
+              </a:solidFill>
+            </a:ln>
+          </p:spPr>
+          <p:style>
+            <a:lnRef idx="2">
+              <a:schemeClr val="accent1">
+                <a:shade val="15000"/>
+              </a:schemeClr>
+            </a:lnRef>
+            <a:fillRef idx="1">
+              <a:schemeClr val="accent1"/>
+            </a:fillRef>
+            <a:effectRef idx="0">
+              <a:schemeClr val="accent1"/>
+            </a:effectRef>
+            <a:fontRef idx="minor">
+              <a:schemeClr val="lt1"/>
+            </a:fontRef>
+          </p:style>
+          <p:txBody>
+            <a:bodyPr rtlCol="0" anchor="ctr"/>
+            <a:lstStyle/>
+            <a:p>
+              <a:pPr algn="ctr"/>
+              <a:r>
+                <a:rPr lang="th-TH" b="1" dirty="0">
+                  <a:solidFill>
+                    <a:srgbClr val="FF0000"/>
+                  </a:solidFill>
+                </a:rPr>
+                <a:t>3</a:t>
+              </a:r>
+            </a:p>
+          </p:txBody>
+        </p:sp>
+        <p:sp>
+          <p:nvSpPr>
+            <p:cNvPr id="43" name="สี่เหลี่ยมผืนผ้า: มุมมน 42">
+              <a:extLst>
+                <a:ext uri="{FF2B5EF4-FFF2-40B4-BE49-F238E27FC236}">
+                  <a16:creationId xmlns:a16="http://schemas.microsoft.com/office/drawing/2014/main" id="{7DD58304-0451-9F9D-3B7E-53AE681B431C}"/>
+                </a:ext>
+              </a:extLst>
+            </p:cNvPr>
+            <p:cNvSpPr/>
+            <p:nvPr/>
+          </p:nvSpPr>
+          <p:spPr>
+            <a:xfrm>
+              <a:off x="3062908" y="1584262"/>
+              <a:ext cx="619125" cy="381000"/>
+            </a:xfrm>
+            <a:prstGeom prst="roundRect">
+              <a:avLst/>
+            </a:prstGeom>
+            <a:solidFill>
+              <a:srgbClr val="FFFF00"/>
+            </a:solidFill>
+            <a:ln>
+              <a:solidFill>
+                <a:srgbClr val="FF0000"/>
+              </a:solidFill>
+            </a:ln>
+          </p:spPr>
+          <p:style>
+            <a:lnRef idx="2">
+              <a:schemeClr val="accent1">
+                <a:shade val="15000"/>
+              </a:schemeClr>
+            </a:lnRef>
+            <a:fillRef idx="1">
+              <a:schemeClr val="accent1"/>
+            </a:fillRef>
+            <a:effectRef idx="0">
+              <a:schemeClr val="accent1"/>
+            </a:effectRef>
+            <a:fontRef idx="minor">
+              <a:schemeClr val="lt1"/>
+            </a:fontRef>
+          </p:style>
+          <p:txBody>
+            <a:bodyPr rtlCol="0" anchor="ctr"/>
+            <a:lstStyle/>
+            <a:p>
+              <a:pPr algn="ctr"/>
+              <a:r>
+                <a:rPr lang="th-TH" b="1" dirty="0">
+                  <a:solidFill>
+                    <a:srgbClr val="FF0000"/>
+                  </a:solidFill>
+                </a:rPr>
+                <a:t>4</a:t>
+              </a:r>
+            </a:p>
+          </p:txBody>
+        </p:sp>
+        <p:sp>
+          <p:nvSpPr>
+            <p:cNvPr id="44" name="สี่เหลี่ยมผืนผ้า: มุมมน 43">
+              <a:extLst>
+                <a:ext uri="{FF2B5EF4-FFF2-40B4-BE49-F238E27FC236}">
+                  <a16:creationId xmlns:a16="http://schemas.microsoft.com/office/drawing/2014/main" id="{155F2847-8F4C-AAA1-8006-33BECD5DF4FC}"/>
+                </a:ext>
+              </a:extLst>
+            </p:cNvPr>
+            <p:cNvSpPr/>
+            <p:nvPr/>
+          </p:nvSpPr>
+          <p:spPr>
+            <a:xfrm>
+              <a:off x="2629210" y="3723614"/>
+              <a:ext cx="619125" cy="381000"/>
+            </a:xfrm>
+            <a:prstGeom prst="roundRect">
+              <a:avLst/>
+            </a:prstGeom>
+            <a:solidFill>
+              <a:srgbClr val="FFFF00"/>
+            </a:solidFill>
+            <a:ln>
+              <a:solidFill>
+                <a:srgbClr val="FF0000"/>
+              </a:solidFill>
+            </a:ln>
+          </p:spPr>
+          <p:style>
+            <a:lnRef idx="2">
+              <a:schemeClr val="accent1">
+                <a:shade val="15000"/>
+              </a:schemeClr>
+            </a:lnRef>
+            <a:fillRef idx="1">
+              <a:schemeClr val="accent1"/>
+            </a:fillRef>
+            <a:effectRef idx="0">
+              <a:schemeClr val="accent1"/>
+            </a:effectRef>
+            <a:fontRef idx="minor">
+              <a:schemeClr val="lt1"/>
+            </a:fontRef>
+          </p:style>
+          <p:txBody>
+            <a:bodyPr rtlCol="0" anchor="ctr"/>
+            <a:lstStyle/>
+            <a:p>
+              <a:pPr algn="ctr"/>
+              <a:r>
+                <a:rPr lang="th-TH" b="1" dirty="0">
+                  <a:solidFill>
+                    <a:srgbClr val="FF0000"/>
+                  </a:solidFill>
+                </a:rPr>
+                <a:t>5</a:t>
+              </a:r>
+            </a:p>
+          </p:txBody>
+        </p:sp>
+        <p:sp>
+          <p:nvSpPr>
+            <p:cNvPr id="45" name="สี่เหลี่ยมผืนผ้า: มุมมน 44">
+              <a:extLst>
+                <a:ext uri="{FF2B5EF4-FFF2-40B4-BE49-F238E27FC236}">
+                  <a16:creationId xmlns:a16="http://schemas.microsoft.com/office/drawing/2014/main" id="{F389947A-D3EB-EB19-5C6D-19F27B9074D7}"/>
+                </a:ext>
+              </a:extLst>
+            </p:cNvPr>
+            <p:cNvSpPr/>
+            <p:nvPr/>
+          </p:nvSpPr>
+          <p:spPr>
+            <a:xfrm>
+              <a:off x="4038248" y="4748212"/>
+              <a:ext cx="619125" cy="381000"/>
+            </a:xfrm>
+            <a:prstGeom prst="roundRect">
+              <a:avLst/>
+            </a:prstGeom>
+            <a:solidFill>
+              <a:srgbClr val="FFFF00"/>
+            </a:solidFill>
+            <a:ln>
+              <a:solidFill>
+                <a:srgbClr val="FF0000"/>
+              </a:solidFill>
+            </a:ln>
+          </p:spPr>
+          <p:style>
+            <a:lnRef idx="2">
+              <a:schemeClr val="accent1">
+                <a:shade val="15000"/>
+              </a:schemeClr>
+            </a:lnRef>
+            <a:fillRef idx="1">
+              <a:schemeClr val="accent1"/>
+            </a:fillRef>
+            <a:effectRef idx="0">
+              <a:schemeClr val="accent1"/>
+            </a:effectRef>
+            <a:fontRef idx="minor">
+              <a:schemeClr val="lt1"/>
+            </a:fontRef>
+          </p:style>
+          <p:txBody>
+            <a:bodyPr rtlCol="0" anchor="ctr"/>
+            <a:lstStyle/>
+            <a:p>
+              <a:pPr algn="ctr"/>
+              <a:r>
+                <a:rPr lang="th-TH" b="1" dirty="0">
+                  <a:solidFill>
+                    <a:srgbClr val="FF0000"/>
+                  </a:solidFill>
+                </a:rPr>
+                <a:t>6</a:t>
+              </a:r>
+            </a:p>
+          </p:txBody>
+        </p:sp>
+        <p:cxnSp>
+          <p:nvCxnSpPr>
+            <p:cNvPr id="47" name="ลูกศรเชื่อมต่อแบบตรง 46">
+              <a:extLst>
+                <a:ext uri="{FF2B5EF4-FFF2-40B4-BE49-F238E27FC236}">
+                  <a16:creationId xmlns:a16="http://schemas.microsoft.com/office/drawing/2014/main" id="{5130F781-A7E4-55E1-EFB4-1FC4498A5451}"/>
+                </a:ext>
+              </a:extLst>
+            </p:cNvPr>
+            <p:cNvCxnSpPr>
+              <a:cxnSpLocks/>
+              <a:stCxn id="41" idx="1"/>
+            </p:cNvCxnSpPr>
+            <p:nvPr/>
+          </p:nvCxnSpPr>
+          <p:spPr>
+            <a:xfrm flipH="1">
+              <a:off x="8324577" y="2347912"/>
+              <a:ext cx="374477" cy="190500"/>
+            </a:xfrm>
+            <a:prstGeom prst="straightConnector1">
+              <a:avLst/>
+            </a:prstGeom>
+            <a:ln w="19050">
+              <a:solidFill>
+                <a:srgbClr val="FF0000"/>
+              </a:solidFill>
+              <a:tailEnd type="triangle"/>
+            </a:ln>
+          </p:spPr>
+          <p:style>
+            <a:lnRef idx="1">
+              <a:schemeClr val="accent1"/>
+            </a:lnRef>
+            <a:fillRef idx="0">
+              <a:schemeClr val="accent1"/>
+            </a:fillRef>
+            <a:effectRef idx="0">
+              <a:schemeClr val="accent1"/>
+            </a:effectRef>
+            <a:fontRef idx="minor">
+              <a:schemeClr val="tx1"/>
+            </a:fontRef>
+          </p:style>
+        </p:cxnSp>
+        <p:sp>
+          <p:nvSpPr>
+            <p:cNvPr id="49" name="สี่เหลี่ยมผืนผ้า 48">
+              <a:extLst>
+                <a:ext uri="{FF2B5EF4-FFF2-40B4-BE49-F238E27FC236}">
+                  <a16:creationId xmlns:a16="http://schemas.microsoft.com/office/drawing/2014/main" id="{37BB5ADB-7E60-0D90-2C91-D3D9F8CCFC1F}"/>
+                </a:ext>
+              </a:extLst>
+            </p:cNvPr>
+            <p:cNvSpPr/>
+            <p:nvPr/>
+          </p:nvSpPr>
+          <p:spPr>
+            <a:xfrm>
+              <a:off x="8972549" y="5019674"/>
+              <a:ext cx="866775" cy="219075"/>
+            </a:xfrm>
+            <a:prstGeom prst="rect">
+              <a:avLst/>
+            </a:prstGeom>
+            <a:noFill/>
+            <a:ln w="28575">
+              <a:solidFill>
+                <a:srgbClr val="0070C0"/>
+              </a:solidFill>
+            </a:ln>
+          </p:spPr>
+          <p:style>
+            <a:lnRef idx="2">
+              <a:schemeClr val="accent1">
+                <a:shade val="15000"/>
+              </a:schemeClr>
+            </a:lnRef>
+            <a:fillRef idx="1">
+              <a:schemeClr val="accent1"/>
+            </a:fillRef>
+            <a:effectRef idx="0">
+              <a:schemeClr val="accent1"/>
+            </a:effectRef>
+            <a:fontRef idx="minor">
+              <a:schemeClr val="lt1"/>
+            </a:fontRef>
+          </p:style>
+          <p:txBody>
+            <a:bodyPr rtlCol="0" anchor="ctr"/>
+            <a:lstStyle/>
+            <a:p>
+              <a:pPr algn="ctr"/>
+              <a:endParaRPr lang="th-TH"/>
+            </a:p>
+          </p:txBody>
+        </p:sp>
+        <p:cxnSp>
+          <p:nvCxnSpPr>
+            <p:cNvPr id="51" name="ลูกศรเชื่อมต่อแบบตรง 50">
+              <a:extLst>
+                <a:ext uri="{FF2B5EF4-FFF2-40B4-BE49-F238E27FC236}">
+                  <a16:creationId xmlns:a16="http://schemas.microsoft.com/office/drawing/2014/main" id="{0E489540-D903-33AC-3DE3-D88E397ADF61}"/>
+                </a:ext>
+              </a:extLst>
+            </p:cNvPr>
+            <p:cNvCxnSpPr>
+              <a:cxnSpLocks/>
+              <a:stCxn id="42" idx="2"/>
+              <a:endCxn id="49" idx="0"/>
+            </p:cNvCxnSpPr>
+            <p:nvPr/>
+          </p:nvCxnSpPr>
+          <p:spPr>
+            <a:xfrm flipH="1">
+              <a:off x="9405937" y="4686301"/>
+              <a:ext cx="123825" cy="333373"/>
+            </a:xfrm>
+            <a:prstGeom prst="straightConnector1">
+              <a:avLst/>
+            </a:prstGeom>
+            <a:ln w="19050">
+              <a:solidFill>
+                <a:srgbClr val="FF0000"/>
+              </a:solidFill>
+              <a:tailEnd type="triangle"/>
+            </a:ln>
+          </p:spPr>
+          <p:style>
+            <a:lnRef idx="1">
+              <a:schemeClr val="accent1"/>
+            </a:lnRef>
+            <a:fillRef idx="0">
+              <a:schemeClr val="accent1"/>
+            </a:fillRef>
+            <a:effectRef idx="0">
+              <a:schemeClr val="accent1"/>
+            </a:effectRef>
+            <a:fontRef idx="minor">
+              <a:schemeClr val="tx1"/>
+            </a:fontRef>
+          </p:style>
+        </p:cxnSp>
+        <p:cxnSp>
+          <p:nvCxnSpPr>
+            <p:cNvPr id="55" name="ลูกศรเชื่อมต่อแบบตรง 54">
+              <a:extLst>
+                <a:ext uri="{FF2B5EF4-FFF2-40B4-BE49-F238E27FC236}">
+                  <a16:creationId xmlns:a16="http://schemas.microsoft.com/office/drawing/2014/main" id="{CE542BB2-34A2-5990-EA6E-DD14754349F9}"/>
+                </a:ext>
+              </a:extLst>
+            </p:cNvPr>
+            <p:cNvCxnSpPr>
+              <a:cxnSpLocks/>
+              <a:stCxn id="43" idx="2"/>
+              <a:endCxn id="57" idx="0"/>
+            </p:cNvCxnSpPr>
+            <p:nvPr/>
+          </p:nvCxnSpPr>
+          <p:spPr>
+            <a:xfrm>
+              <a:off x="3372471" y="1965262"/>
+              <a:ext cx="18429" cy="694595"/>
+            </a:xfrm>
+            <a:prstGeom prst="straightConnector1">
+              <a:avLst/>
+            </a:prstGeom>
+            <a:ln w="19050">
+              <a:solidFill>
+                <a:srgbClr val="FF0000"/>
+              </a:solidFill>
+              <a:tailEnd type="triangle"/>
+            </a:ln>
+          </p:spPr>
+          <p:style>
+            <a:lnRef idx="1">
+              <a:schemeClr val="accent1"/>
+            </a:lnRef>
+            <a:fillRef idx="0">
+              <a:schemeClr val="accent1"/>
+            </a:fillRef>
+            <a:effectRef idx="0">
+              <a:schemeClr val="accent1"/>
+            </a:effectRef>
+            <a:fontRef idx="minor">
+              <a:schemeClr val="tx1"/>
+            </a:fontRef>
+          </p:style>
+        </p:cxnSp>
+        <p:sp>
+          <p:nvSpPr>
+            <p:cNvPr id="57" name="สี่เหลี่ยมผืนผ้า 56">
+              <a:extLst>
+                <a:ext uri="{FF2B5EF4-FFF2-40B4-BE49-F238E27FC236}">
+                  <a16:creationId xmlns:a16="http://schemas.microsoft.com/office/drawing/2014/main" id="{BB21F1A2-C7FF-2240-DE99-871FAB926170}"/>
+                </a:ext>
+              </a:extLst>
+            </p:cNvPr>
+            <p:cNvSpPr/>
+            <p:nvPr/>
+          </p:nvSpPr>
+          <p:spPr>
+            <a:xfrm>
+              <a:off x="1847850" y="2659857"/>
+              <a:ext cx="3086100" cy="216694"/>
+            </a:xfrm>
+            <a:prstGeom prst="rect">
+              <a:avLst/>
+            </a:prstGeom>
+            <a:noFill/>
+            <a:ln w="28575">
+              <a:solidFill>
+                <a:srgbClr val="0070C0"/>
+              </a:solidFill>
+            </a:ln>
+          </p:spPr>
+          <p:style>
+            <a:lnRef idx="2">
+              <a:schemeClr val="accent1">
+                <a:shade val="15000"/>
+              </a:schemeClr>
+            </a:lnRef>
+            <a:fillRef idx="1">
+              <a:schemeClr val="accent1"/>
+            </a:fillRef>
+            <a:effectRef idx="0">
+              <a:schemeClr val="accent1"/>
+            </a:effectRef>
+            <a:fontRef idx="minor">
+              <a:schemeClr val="lt1"/>
+            </a:fontRef>
+          </p:style>
+          <p:txBody>
+            <a:bodyPr rtlCol="0" anchor="ctr"/>
+            <a:lstStyle/>
+            <a:p>
+              <a:pPr algn="ctr"/>
+              <a:endParaRPr lang="th-TH"/>
+            </a:p>
+          </p:txBody>
+        </p:sp>
+        <p:sp>
+          <p:nvSpPr>
+            <p:cNvPr id="58" name="สี่เหลี่ยมผืนผ้า 57">
+              <a:extLst>
+                <a:ext uri="{FF2B5EF4-FFF2-40B4-BE49-F238E27FC236}">
+                  <a16:creationId xmlns:a16="http://schemas.microsoft.com/office/drawing/2014/main" id="{45ABD513-C53F-C09D-B4F3-E870A3A76ABC}"/>
+                </a:ext>
+              </a:extLst>
+            </p:cNvPr>
+            <p:cNvSpPr/>
+            <p:nvPr/>
+          </p:nvSpPr>
+          <p:spPr>
+            <a:xfrm>
+              <a:off x="1847850" y="2898643"/>
+              <a:ext cx="3086100" cy="216694"/>
+            </a:xfrm>
+            <a:prstGeom prst="rect">
+              <a:avLst/>
+            </a:prstGeom>
+            <a:noFill/>
+            <a:ln w="28575">
+              <a:solidFill>
+                <a:srgbClr val="0070C0"/>
+              </a:solidFill>
+            </a:ln>
+          </p:spPr>
+          <p:style>
+            <a:lnRef idx="2">
+              <a:schemeClr val="accent1">
+                <a:shade val="15000"/>
+              </a:schemeClr>
+            </a:lnRef>
+            <a:fillRef idx="1">
+              <a:schemeClr val="accent1"/>
+            </a:fillRef>
+            <a:effectRef idx="0">
+              <a:schemeClr val="accent1"/>
+            </a:effectRef>
+            <a:fontRef idx="minor">
+              <a:schemeClr val="lt1"/>
+            </a:fontRef>
+          </p:style>
+          <p:txBody>
+            <a:bodyPr rtlCol="0" anchor="ctr"/>
+            <a:lstStyle/>
+            <a:p>
+              <a:pPr algn="ctr"/>
+              <a:endParaRPr lang="th-TH"/>
+            </a:p>
+          </p:txBody>
+        </p:sp>
+        <p:cxnSp>
+          <p:nvCxnSpPr>
+            <p:cNvPr id="65" name="ลูกศรเชื่อมต่อแบบตรง 64">
+              <a:extLst>
+                <a:ext uri="{FF2B5EF4-FFF2-40B4-BE49-F238E27FC236}">
+                  <a16:creationId xmlns:a16="http://schemas.microsoft.com/office/drawing/2014/main" id="{A207BA4A-53D1-AB76-CDEA-E3E064D8F208}"/>
+                </a:ext>
+              </a:extLst>
+            </p:cNvPr>
+            <p:cNvCxnSpPr>
+              <a:cxnSpLocks/>
+              <a:stCxn id="44" idx="0"/>
+              <a:endCxn id="58" idx="2"/>
+            </p:cNvCxnSpPr>
+            <p:nvPr/>
+          </p:nvCxnSpPr>
+          <p:spPr>
+            <a:xfrm flipV="1">
+              <a:off x="2938773" y="3115337"/>
+              <a:ext cx="452127" cy="608277"/>
+            </a:xfrm>
+            <a:prstGeom prst="straightConnector1">
+              <a:avLst/>
+            </a:prstGeom>
+            <a:ln w="19050">
+              <a:solidFill>
+                <a:srgbClr val="FF0000"/>
+              </a:solidFill>
+              <a:tailEnd type="triangle"/>
+            </a:ln>
+          </p:spPr>
+          <p:style>
+            <a:lnRef idx="1">
+              <a:schemeClr val="accent1"/>
+            </a:lnRef>
+            <a:fillRef idx="0">
+              <a:schemeClr val="accent1"/>
+            </a:fillRef>
+            <a:effectRef idx="0">
+              <a:schemeClr val="accent1"/>
+            </a:effectRef>
+            <a:fontRef idx="minor">
+              <a:schemeClr val="tx1"/>
+            </a:fontRef>
+          </p:style>
+        </p:cxnSp>
+        <p:sp>
+          <p:nvSpPr>
+            <p:cNvPr id="69" name="สี่เหลี่ยมผืนผ้า 68">
+              <a:extLst>
+                <a:ext uri="{FF2B5EF4-FFF2-40B4-BE49-F238E27FC236}">
+                  <a16:creationId xmlns:a16="http://schemas.microsoft.com/office/drawing/2014/main" id="{B10AC27E-A537-FBD3-4A9A-585D52AACE21}"/>
+                </a:ext>
+              </a:extLst>
+            </p:cNvPr>
+            <p:cNvSpPr/>
+            <p:nvPr/>
+          </p:nvSpPr>
+          <p:spPr>
+            <a:xfrm>
+              <a:off x="4057649" y="5657850"/>
+              <a:ext cx="866775" cy="219075"/>
+            </a:xfrm>
+            <a:prstGeom prst="rect">
+              <a:avLst/>
+            </a:prstGeom>
+            <a:noFill/>
+            <a:ln w="28575">
+              <a:solidFill>
+                <a:srgbClr val="0070C0"/>
+              </a:solidFill>
+            </a:ln>
+          </p:spPr>
+          <p:style>
+            <a:lnRef idx="2">
+              <a:schemeClr val="accent1">
+                <a:shade val="15000"/>
+              </a:schemeClr>
+            </a:lnRef>
+            <a:fillRef idx="1">
+              <a:schemeClr val="accent1"/>
+            </a:fillRef>
+            <a:effectRef idx="0">
+              <a:schemeClr val="accent1"/>
+            </a:effectRef>
+            <a:fontRef idx="minor">
+              <a:schemeClr val="lt1"/>
+            </a:fontRef>
+          </p:style>
+          <p:txBody>
+            <a:bodyPr rtlCol="0" anchor="ctr"/>
+            <a:lstStyle/>
+            <a:p>
+              <a:pPr algn="ctr"/>
+              <a:endParaRPr lang="th-TH"/>
+            </a:p>
+          </p:txBody>
+        </p:sp>
+        <p:cxnSp>
+          <p:nvCxnSpPr>
+            <p:cNvPr id="70" name="ลูกศรเชื่อมต่อแบบตรง 69">
+              <a:extLst>
+                <a:ext uri="{FF2B5EF4-FFF2-40B4-BE49-F238E27FC236}">
+                  <a16:creationId xmlns:a16="http://schemas.microsoft.com/office/drawing/2014/main" id="{B001A9C2-E8F7-DFCD-C8AF-1E0C697792B2}"/>
+                </a:ext>
+              </a:extLst>
+            </p:cNvPr>
+            <p:cNvCxnSpPr>
+              <a:cxnSpLocks/>
+              <a:stCxn id="45" idx="2"/>
+              <a:endCxn id="69" idx="0"/>
+            </p:cNvCxnSpPr>
+            <p:nvPr/>
+          </p:nvCxnSpPr>
+          <p:spPr>
+            <a:xfrm>
+              <a:off x="4347811" y="5129212"/>
+              <a:ext cx="143226" cy="528638"/>
+            </a:xfrm>
+            <a:prstGeom prst="straightConnector1">
+              <a:avLst/>
+            </a:prstGeom>
+            <a:ln w="19050">
+              <a:solidFill>
+                <a:srgbClr val="FF0000"/>
+              </a:solidFill>
+              <a:tailEnd type="triangle"/>
+            </a:ln>
+          </p:spPr>
+          <p:style>
+            <a:lnRef idx="1">
+              <a:schemeClr val="accent1"/>
+            </a:lnRef>
+            <a:fillRef idx="0">
+              <a:schemeClr val="accent1"/>
+            </a:fillRef>
+            <a:effectRef idx="0">
+              <a:schemeClr val="accent1"/>
+            </a:effectRef>
+            <a:fontRef idx="minor">
+              <a:schemeClr val="tx1"/>
+            </a:fontRef>
+          </p:style>
+        </p:cxnSp>
+        <p:cxnSp>
+          <p:nvCxnSpPr>
+            <p:cNvPr id="75" name="ลูกศรเชื่อมต่อแบบตรง 74">
+              <a:extLst>
+                <a:ext uri="{FF2B5EF4-FFF2-40B4-BE49-F238E27FC236}">
+                  <a16:creationId xmlns:a16="http://schemas.microsoft.com/office/drawing/2014/main" id="{FC2317DF-B1F9-EA6B-116F-60B7BF966A56}"/>
+                </a:ext>
+              </a:extLst>
+            </p:cNvPr>
+            <p:cNvCxnSpPr>
+              <a:cxnSpLocks/>
+            </p:cNvCxnSpPr>
+            <p:nvPr/>
+          </p:nvCxnSpPr>
+          <p:spPr>
+            <a:xfrm flipH="1">
+              <a:off x="5443537" y="1965262"/>
+              <a:ext cx="698676" cy="382650"/>
+            </a:xfrm>
+            <a:prstGeom prst="straightConnector1">
+              <a:avLst/>
+            </a:prstGeom>
+            <a:ln w="19050">
+              <a:solidFill>
+                <a:srgbClr val="FF0000"/>
+              </a:solidFill>
+              <a:tailEnd type="triangle"/>
+            </a:ln>
+          </p:spPr>
+          <p:style>
+            <a:lnRef idx="1">
+              <a:schemeClr val="accent1"/>
+            </a:lnRef>
+            <a:fillRef idx="0">
+              <a:schemeClr val="accent1"/>
+            </a:fillRef>
+            <a:effectRef idx="0">
+              <a:schemeClr val="accent1"/>
+            </a:effectRef>
+            <a:fontRef idx="minor">
+              <a:schemeClr val="tx1"/>
+            </a:fontRef>
+          </p:style>
+        </p:cxnSp>
+      </p:grpSp>
+      <p:sp>
+        <p:nvSpPr>
+          <p:cNvPr id="78" name="ลูกศร: ขวา 77">
+            <a:extLst>
+              <a:ext uri="{FF2B5EF4-FFF2-40B4-BE49-F238E27FC236}">
+                <a16:creationId xmlns:a16="http://schemas.microsoft.com/office/drawing/2014/main" id="{F6F23E45-6577-C1E3-0BF5-87DB57A01C88}"/>
+              </a:ext>
+            </a:extLst>
+          </p:cNvPr>
+          <p:cNvSpPr/>
+          <p:nvPr/>
+        </p:nvSpPr>
+        <p:spPr>
+          <a:xfrm>
+            <a:off x="6096000" y="2303400"/>
+            <a:ext cx="799480" cy="382650"/>
+          </a:xfrm>
+          <a:prstGeom prst="rightArrow">
+            <a:avLst/>
+          </a:prstGeom>
+        </p:spPr>
+        <p:style>
+          <a:lnRef idx="0">
+            <a:schemeClr val="accent2"/>
+          </a:lnRef>
+          <a:fillRef idx="3">
+            <a:schemeClr val="accent2"/>
+          </a:fillRef>
+          <a:effectRef idx="3">
+            <a:schemeClr val="accent2"/>
+          </a:effectRef>
+          <a:fontRef idx="minor">
+            <a:schemeClr val="lt1"/>
+          </a:fontRef>
+        </p:style>
+        <p:txBody>
+          <a:bodyPr rtlCol="0" anchor="ctr"/>
+          <a:lstStyle/>
+          <a:p>
+            <a:pPr algn="ctr"/>
+            <a:endParaRPr lang="th-TH"/>
+          </a:p>
+        </p:txBody>
+      </p:sp>
+    </p:spTree>
+    <p:extLst>
+      <p:ext uri="{BB962C8B-B14F-4D97-AF65-F5344CB8AC3E}">
+        <p14:creationId xmlns:p14="http://schemas.microsoft.com/office/powerpoint/2010/main" val="1135757891"/>
+      </p:ext>
+    </p:extLst>
+  </p:cSld>
+  <p:clrMapOvr>
+    <a:masterClrMapping/>
+  </p:clrMapOvr>
+</p:sld>
+</file>
+
+<file path=ppt/slides/slide3.xml><?xml version="1.0" encoding="utf-8"?>
+<p:sld xmlns:a="http://schemas.openxmlformats.org/drawingml/2006/main" xmlns:r="http://schemas.openxmlformats.org/officeDocument/2006/relationships" xmlns:p="http://schemas.openxmlformats.org/presentationml/2006/main">
+  <p:cSld>
+    <p:spTree>
+      <p:nvGrpSpPr>
+        <p:cNvPr id="1" name=""/>
+        <p:cNvGrpSpPr/>
+        <p:nvPr/>
+      </p:nvGrpSpPr>
+      <p:grpSpPr>
+        <a:xfrm>
+          <a:off x="0" y="0"/>
+          <a:ext cx="0" cy="0"/>
+          <a:chOff x="0" y="0"/>
+          <a:chExt cx="0" cy="0"/>
+        </a:xfrm>
+      </p:grpSpPr>
+      <p:pic>
+        <p:nvPicPr>
+          <p:cNvPr id="5" name="รูปภาพ 4" descr="รูปภาพประกอบด้วย ข้อความ, ภาพหน้าจอ, แสดง, ซอฟต์แวร์&#10;&#10;คำอธิบายที่สร้างโดยอัตโนมัติ">
+            <a:extLst>
+              <a:ext uri="{FF2B5EF4-FFF2-40B4-BE49-F238E27FC236}">
+                <a16:creationId xmlns:a16="http://schemas.microsoft.com/office/drawing/2014/main" id="{89747264-1D26-9AB3-0AA8-EA77235CF6D0}"/>
+              </a:ext>
+            </a:extLst>
+          </p:cNvPr>
+          <p:cNvPicPr>
+            <a:picLocks noChangeAspect="1"/>
+          </p:cNvPicPr>
+          <p:nvPr/>
+        </p:nvPicPr>
+        <p:blipFill>
+          <a:blip r:embed="rId2">
+            <a:extLst>
+              <a:ext uri="{28A0092B-C50C-407E-A947-70E740481C1C}">
+                <a14:useLocalDpi xmlns:a14="http://schemas.microsoft.com/office/drawing/2010/main" val="0"/>
+              </a:ext>
+            </a:extLst>
+          </a:blip>
+          <a:stretch>
+            <a:fillRect/>
+          </a:stretch>
+        </p:blipFill>
+        <p:spPr>
+          <a:xfrm>
+            <a:off x="3590575" y="1376076"/>
+            <a:ext cx="5010849" cy="4105848"/>
+          </a:xfrm>
+          <a:prstGeom prst="rect">
+            <a:avLst/>
+          </a:prstGeom>
+        </p:spPr>
+      </p:pic>
+    </p:spTree>
+    <p:extLst>
+      <p:ext uri="{BB962C8B-B14F-4D97-AF65-F5344CB8AC3E}">
+        <p14:creationId xmlns:p14="http://schemas.microsoft.com/office/powerpoint/2010/main" val="2925243100"/>
+      </p:ext>
+    </p:extLst>
+  </p:cSld>
+  <p:clrMapOvr>
+    <a:masterClrMapping/>
+  </p:clrMapOvr>
+</p:sld>
+</file>
+
+<file path=ppt/slides/slide4.xml><?xml version="1.0" encoding="utf-8"?>
+<p:sld xmlns:a="http://schemas.openxmlformats.org/drawingml/2006/main" xmlns:r="http://schemas.openxmlformats.org/officeDocument/2006/relationships" xmlns:p="http://schemas.openxmlformats.org/presentationml/2006/main">
+  <p:cSld>
+    <p:spTree>
+      <p:nvGrpSpPr>
+        <p:cNvPr id="1" name=""/>
+        <p:cNvGrpSpPr/>
+        <p:nvPr/>
+      </p:nvGrpSpPr>
+      <p:grpSpPr>
+        <a:xfrm>
+          <a:off x="0" y="0"/>
+          <a:ext cx="0" cy="0"/>
+          <a:chOff x="0" y="0"/>
+          <a:chExt cx="0" cy="0"/>
+        </a:xfrm>
+      </p:grpSpPr>
+      <p:pic>
+        <p:nvPicPr>
+          <p:cNvPr id="3" name="รูปภาพ 2" descr="รูปภาพประกอบด้วย ข้อความ, อิเล็กทรอนิกส์, ภาพหน้าจอ, แสดง&#10;&#10;คำอธิบายที่สร้างโดยอัตโนมัติ">
+            <a:extLst>
+              <a:ext uri="{FF2B5EF4-FFF2-40B4-BE49-F238E27FC236}">
+                <a16:creationId xmlns:a16="http://schemas.microsoft.com/office/drawing/2014/main" id="{A0EEE437-213F-7DC9-9D8E-1F3A227A8D4C}"/>
+              </a:ext>
+            </a:extLst>
+          </p:cNvPr>
+          <p:cNvPicPr>
+            <a:picLocks noChangeAspect="1"/>
+          </p:cNvPicPr>
+          <p:nvPr/>
+        </p:nvPicPr>
+        <p:blipFill>
+          <a:blip r:embed="rId2">
+            <a:extLst>
+              <a:ext uri="{28A0092B-C50C-407E-A947-70E740481C1C}">
+                <a14:useLocalDpi xmlns:a14="http://schemas.microsoft.com/office/drawing/2010/main" val="0"/>
+              </a:ext>
+            </a:extLst>
+          </a:blip>
+          <a:stretch>
+            <a:fillRect/>
+          </a:stretch>
+        </p:blipFill>
+        <p:spPr>
+          <a:xfrm>
+            <a:off x="2957165" y="1071233"/>
+            <a:ext cx="4982270" cy="4715533"/>
+          </a:xfrm>
+          <a:prstGeom prst="rect">
+            <a:avLst/>
+          </a:prstGeom>
+        </p:spPr>
+      </p:pic>
+    </p:spTree>
+    <p:extLst>
+      <p:ext uri="{BB962C8B-B14F-4D97-AF65-F5344CB8AC3E}">
+        <p14:creationId xmlns:p14="http://schemas.microsoft.com/office/powerpoint/2010/main" val="1962274683"/>
       </p:ext>
     </p:extLst>
   </p:cSld>
